--- a/en/ProgrammingLessons/beginner/scratch-Turning.pptx
+++ b/en/ProgrammingLessons/beginner/scratch-Turning.pptx
@@ -224,7 +224,7 @@
           <a:p>
             <a:fld id="{F8D9B3D7-15CB-9343-AA49-EFB5A8F33F18}" type="datetimeFigureOut">
               <a:rPr lang="en-US" smtClean="0"/>
-              <a:t>12/21/19</a:t>
+              <a:t>12/25/19</a:t>
             </a:fld>
             <a:endParaRPr lang="en-US"/>
           </a:p>
@@ -390,7 +390,7 @@
           <a:p>
             <a:fld id="{FD3EFF1E-85A1-6640-AFB9-C38833E80A84}" type="datetimeFigureOut">
               <a:rPr lang="en-US" smtClean="0"/>
-              <a:t>12/21/19</a:t>
+              <a:t>12/25/19</a:t>
             </a:fld>
             <a:endParaRPr lang="en-US"/>
           </a:p>
@@ -955,7 +955,7 @@
           <a:p>
             <a:fld id="{0C84289C-E20C-4FE1-AC84-4800CEA1672A}" type="datetime1">
               <a:rPr lang="en-US" smtClean="0"/>
-              <a:t>12/21/19</a:t>
+              <a:t>12/25/19</a:t>
             </a:fld>
             <a:endParaRPr lang="en-US"/>
           </a:p>
@@ -1126,7 +1126,7 @@
           <a:p>
             <a:fld id="{B1F5A5BF-ABDB-4841-B62B-313E99FA370A}" type="datetime1">
               <a:rPr lang="en-US" smtClean="0"/>
-              <a:t>12/21/19</a:t>
+              <a:t>12/25/19</a:t>
             </a:fld>
             <a:endParaRPr lang="en-US"/>
           </a:p>
@@ -1307,7 +1307,7 @@
           <a:p>
             <a:fld id="{31703916-3158-4330-91CA-82327BEAD2F0}" type="datetime1">
               <a:rPr lang="en-US" smtClean="0"/>
-              <a:t>12/21/19</a:t>
+              <a:t>12/25/19</a:t>
             </a:fld>
             <a:endParaRPr lang="en-US"/>
           </a:p>
@@ -1523,7 +1523,7 @@
           <a:p>
             <a:fld id="{0186AB50-F095-41BF-9456-1C5697285270}" type="datetime1">
               <a:rPr lang="en-US" smtClean="0"/>
-              <a:t>12/21/19</a:t>
+              <a:t>12/25/19</a:t>
             </a:fld>
             <a:endParaRPr lang="en-US"/>
           </a:p>
@@ -1893,41 +1893,6 @@
           </a:fontRef>
         </p:style>
       </p:sp>
-      <p:pic>
-        <p:nvPicPr>
-          <p:cNvPr id="19" name="Picture 18" descr="EV3Lessons2019v2.png">
-            <a:extLst>
-              <a:ext uri="{FF2B5EF4-FFF2-40B4-BE49-F238E27FC236}">
-                <a16:creationId xmlns:a16="http://schemas.microsoft.com/office/drawing/2014/main" id="{CEA1CB86-D811-4508-A7DA-2A2E49A47E97}"/>
-              </a:ext>
-            </a:extLst>
-          </p:cNvPr>
-          <p:cNvPicPr>
-            <a:picLocks noChangeAspect="1"/>
-          </p:cNvPicPr>
-          <p:nvPr userDrawn="1"/>
-        </p:nvPicPr>
-        <p:blipFill rotWithShape="1">
-          <a:blip r:embed="rId2">
-            <a:extLst>
-              <a:ext uri="{28A0092B-C50C-407E-A947-70E740481C1C}">
-                <a14:useLocalDpi xmlns:a14="http://schemas.microsoft.com/office/drawing/2010/main" val="0"/>
-              </a:ext>
-            </a:extLst>
-          </a:blip>
-          <a:srcRect l="1676" t="4262" r="1441" b="4110"/>
-          <a:stretch/>
-        </p:blipFill>
-        <p:spPr>
-          <a:xfrm>
-            <a:off x="191030" y="91439"/>
-            <a:ext cx="8539480" cy="3388361"/>
-          </a:xfrm>
-          <a:prstGeom prst="rect">
-            <a:avLst/>
-          </a:prstGeom>
-        </p:spPr>
-      </p:pic>
     </p:spTree>
     <p:extLst>
       <p:ext uri="{BB962C8B-B14F-4D97-AF65-F5344CB8AC3E}">
@@ -2059,7 +2024,7 @@
           <a:p>
             <a:fld id="{F7CFE4F8-C1F5-4923-B09B-13452327FC68}" type="datetime1">
               <a:rPr lang="en-US" smtClean="0"/>
-              <a:t>12/21/19</a:t>
+              <a:t>12/25/19</a:t>
             </a:fld>
             <a:endParaRPr lang="en-US"/>
           </a:p>
@@ -2324,7 +2289,7 @@
           <a:p>
             <a:fld id="{10D5BEF7-2368-4043-AB46-C63DC3EB6AFD}" type="datetime1">
               <a:rPr lang="en-US" smtClean="0"/>
-              <a:t>12/21/19</a:t>
+              <a:t>12/25/19</a:t>
             </a:fld>
             <a:endParaRPr lang="en-US"/>
           </a:p>
@@ -2627,7 +2592,7 @@
           <a:p>
             <a:fld id="{9040BE27-1C26-4082-A079-725E623E1BF4}" type="datetime1">
               <a:rPr lang="en-US" smtClean="0"/>
-              <a:t>12/21/19</a:t>
+              <a:t>12/25/19</a:t>
             </a:fld>
             <a:endParaRPr lang="en-US"/>
           </a:p>
@@ -3081,7 +3046,7 @@
           <a:p>
             <a:fld id="{1AD2A5D6-FD22-4E59-AA4B-DA0441E2D862}" type="datetime1">
               <a:rPr lang="en-US" smtClean="0"/>
-              <a:t>12/21/19</a:t>
+              <a:t>12/25/19</a:t>
             </a:fld>
             <a:endParaRPr lang="en-US"/>
           </a:p>
@@ -3209,7 +3174,7 @@
           <a:p>
             <a:fld id="{EF71AB4C-D972-4469-8BFF-F189969E5973}" type="datetime1">
               <a:rPr lang="en-US" smtClean="0"/>
-              <a:t>12/21/19</a:t>
+              <a:t>12/25/19</a:t>
             </a:fld>
             <a:endParaRPr lang="en-US"/>
           </a:p>
@@ -3315,7 +3280,7 @@
           <a:p>
             <a:fld id="{EB7233E2-CF34-4F40-953B-DB1B6FCF9799}" type="datetime1">
               <a:rPr lang="en-US" smtClean="0"/>
-              <a:t>12/21/19</a:t>
+              <a:t>12/25/19</a:t>
             </a:fld>
             <a:endParaRPr lang="en-US"/>
           </a:p>
@@ -3573,7 +3538,7 @@
           <a:p>
             <a:fld id="{3E3548E7-97BA-4051-B6A6-43CA35AFDDAA}" type="datetime1">
               <a:rPr lang="en-US" smtClean="0"/>
-              <a:t>12/21/19</a:t>
+              <a:t>12/25/19</a:t>
             </a:fld>
             <a:endParaRPr lang="en-US"/>
           </a:p>
@@ -3774,7 +3739,7 @@
           <a:p>
             <a:fld id="{4266A535-58D9-48C5-9314-06D09DE7800D}" type="datetime1">
               <a:rPr lang="en-US" smtClean="0"/>
-              <a:t>12/21/19</a:t>
+              <a:t>12/25/19</a:t>
             </a:fld>
             <a:endParaRPr lang="en-US"/>
           </a:p>
@@ -4052,7 +4017,7 @@
           <a:p>
             <a:fld id="{0776CC73-09B9-44A4-92C8-FB255481DF26}" type="datetime1">
               <a:rPr lang="en-US" smtClean="0"/>
-              <a:t>12/21/19</a:t>
+              <a:t>12/25/19</a:t>
             </a:fld>
             <a:endParaRPr lang="en-US"/>
           </a:p>
@@ -4319,7 +4284,7 @@
           <a:p>
             <a:fld id="{3AF5C7F5-B55B-4EFD-87A2-BA6BCAA3B4FC}" type="datetime1">
               <a:rPr lang="en-US" smtClean="0"/>
-              <a:t>12/21/19</a:t>
+              <a:t>12/25/19</a:t>
             </a:fld>
             <a:endParaRPr lang="en-US"/>
           </a:p>
@@ -4508,7 +4473,7 @@
           <a:p>
             <a:fld id="{D0387E60-0EE1-46BB-94FA-EB5EF10B840D}" type="datetime1">
               <a:rPr lang="en-US" smtClean="0"/>
-              <a:t>12/21/19</a:t>
+              <a:t>12/25/19</a:t>
             </a:fld>
             <a:endParaRPr lang="en-US"/>
           </a:p>
@@ -4709,7 +4674,7 @@
           <a:p>
             <a:fld id="{E8F6528B-7DB4-4141-A8F3-0A6B2A12B3AB}" type="datetime1">
               <a:rPr lang="en-US" smtClean="0"/>
-              <a:t>12/21/19</a:t>
+              <a:t>12/25/19</a:t>
             </a:fld>
             <a:endParaRPr lang="en-US"/>
           </a:p>
@@ -4880,7 +4845,7 @@
           <a:p>
             <a:fld id="{55667845-360B-400E-B036-BDC9F3564CD9}" type="datetime1">
               <a:rPr lang="en-US" smtClean="0"/>
-              <a:t>12/21/19</a:t>
+              <a:t>12/25/19</a:t>
             </a:fld>
             <a:endParaRPr lang="en-US"/>
           </a:p>
@@ -5128,7 +5093,7 @@
           <a:p>
             <a:fld id="{D99556B2-7AD0-4ABC-B5A3-4A16BA7DC312}" type="datetime1">
               <a:rPr lang="en-US" smtClean="0"/>
-              <a:t>12/21/19</a:t>
+              <a:t>12/25/19</a:t>
             </a:fld>
             <a:endParaRPr lang="en-US"/>
           </a:p>
@@ -5360,7 +5325,7 @@
           <a:p>
             <a:fld id="{652E7225-40C1-4642-8897-334697F47E5F}" type="datetime1">
               <a:rPr lang="en-US" smtClean="0"/>
-              <a:t>12/21/19</a:t>
+              <a:t>12/25/19</a:t>
             </a:fld>
             <a:endParaRPr lang="en-US"/>
           </a:p>
@@ -5727,7 +5692,7 @@
           <a:p>
             <a:fld id="{C18D545F-2A4A-4E1C-876F-026175EBE719}" type="datetime1">
               <a:rPr lang="en-US" smtClean="0"/>
-              <a:t>12/21/19</a:t>
+              <a:t>12/25/19</a:t>
             </a:fld>
             <a:endParaRPr lang="en-US"/>
           </a:p>
@@ -5847,7 +5812,7 @@
           <a:p>
             <a:fld id="{97256F8D-743C-4573-8467-A35A8ABF2A70}" type="datetime1">
               <a:rPr lang="en-US" smtClean="0"/>
-              <a:t>12/21/19</a:t>
+              <a:t>12/25/19</a:t>
             </a:fld>
             <a:endParaRPr lang="en-US"/>
           </a:p>
@@ -5945,7 +5910,7 @@
           <a:p>
             <a:fld id="{F3C2686B-6092-4BE8-93B5-887AEBD421E2}" type="datetime1">
               <a:rPr lang="en-US" smtClean="0"/>
-              <a:t>12/21/19</a:t>
+              <a:t>12/25/19</a:t>
             </a:fld>
             <a:endParaRPr lang="en-US"/>
           </a:p>
@@ -6193,7 +6158,7 @@
           <a:p>
             <a:fld id="{1D201376-115B-464B-BBB9-831F957A9716}" type="datetime1">
               <a:rPr lang="en-US" smtClean="0"/>
-              <a:t>12/21/19</a:t>
+              <a:t>12/25/19</a:t>
             </a:fld>
             <a:endParaRPr lang="en-US"/>
           </a:p>
@@ -6471,7 +6436,7 @@
           <a:p>
             <a:fld id="{B86B7FBA-E254-4EF3-94EF-8CEA3E5384D9}" type="datetime1">
               <a:rPr lang="en-US" smtClean="0"/>
-              <a:t>12/21/19</a:t>
+              <a:t>12/25/19</a:t>
             </a:fld>
             <a:endParaRPr lang="en-US"/>
           </a:p>
@@ -6729,7 +6694,7 @@
           <a:p>
             <a:fld id="{C9DAF389-2429-4204-8781-4BB2587FC0C0}" type="datetime1">
               <a:rPr lang="en-US" smtClean="0"/>
-              <a:t>12/21/19</a:t>
+              <a:t>12/25/19</a:t>
             </a:fld>
             <a:endParaRPr lang="en-US"/>
           </a:p>
@@ -6900,7 +6865,7 @@
           <a:p>
             <a:fld id="{D163B310-93BC-45DF-A421-43813F6F0E94}" type="datetime1">
               <a:rPr lang="en-US" smtClean="0"/>
-              <a:t>12/21/19</a:t>
+              <a:t>12/25/19</a:t>
             </a:fld>
             <a:endParaRPr lang="en-US"/>
           </a:p>
@@ -7081,7 +7046,7 @@
           <a:p>
             <a:fld id="{DDBDC4D7-EABE-4323-BC1F-E318C7F6E728}" type="datetime1">
               <a:rPr lang="en-US" smtClean="0"/>
-              <a:t>12/21/19</a:t>
+              <a:t>12/25/19</a:t>
             </a:fld>
             <a:endParaRPr lang="en-US"/>
           </a:p>
@@ -7313,7 +7278,7 @@
           <a:p>
             <a:fld id="{BA9738A4-E24C-49CA-A5EF-89E374B7C8BF}" type="datetime1">
               <a:rPr lang="en-US" smtClean="0"/>
-              <a:t>12/21/19</a:t>
+              <a:t>12/25/19</a:t>
             </a:fld>
             <a:endParaRPr lang="en-US"/>
           </a:p>
@@ -7680,7 +7645,7 @@
           <a:p>
             <a:fld id="{E60D07CE-5F98-4C25-B242-23A2420274E5}" type="datetime1">
               <a:rPr lang="en-US" smtClean="0"/>
-              <a:t>12/21/19</a:t>
+              <a:t>12/25/19</a:t>
             </a:fld>
             <a:endParaRPr lang="en-US"/>
           </a:p>
@@ -7800,7 +7765,7 @@
           <a:p>
             <a:fld id="{652479BE-4F41-4502-AD57-8474136C0AEE}" type="datetime1">
               <a:rPr lang="en-US" smtClean="0"/>
-              <a:t>12/21/19</a:t>
+              <a:t>12/25/19</a:t>
             </a:fld>
             <a:endParaRPr lang="en-US"/>
           </a:p>
@@ -7898,7 +7863,7 @@
           <a:p>
             <a:fld id="{75D2018D-4FD8-4ADD-9E21-B4FEABA98CDC}" type="datetime1">
               <a:rPr lang="en-US" smtClean="0"/>
-              <a:t>12/21/19</a:t>
+              <a:t>12/25/19</a:t>
             </a:fld>
             <a:endParaRPr lang="en-US"/>
           </a:p>
@@ -8176,7 +8141,7 @@
           <a:p>
             <a:fld id="{49979C88-A2CD-43DB-BDC9-4D26858AAE9F}" type="datetime1">
               <a:rPr lang="en-US" smtClean="0"/>
-              <a:t>12/21/19</a:t>
+              <a:t>12/25/19</a:t>
             </a:fld>
             <a:endParaRPr lang="en-US"/>
           </a:p>
@@ -8431,7 +8396,7 @@
           <a:p>
             <a:fld id="{42DB2D1D-11F2-4319-8553-B4CFF103917A}" type="datetime1">
               <a:rPr lang="en-US" smtClean="0"/>
-              <a:t>12/21/19</a:t>
+              <a:t>12/25/19</a:t>
             </a:fld>
             <a:endParaRPr lang="en-US"/>
           </a:p>
@@ -8645,7 +8610,7 @@
           <a:p>
             <a:fld id="{B8DBC3DD-8491-49E8-87B6-EE1A02553E31}" type="datetime1">
               <a:rPr lang="en-US" smtClean="0"/>
-              <a:t>12/21/19</a:t>
+              <a:t>12/25/19</a:t>
             </a:fld>
             <a:endParaRPr lang="en-US"/>
           </a:p>
@@ -9187,7 +9152,7 @@
           <a:p>
             <a:fld id="{E42153C9-7470-4133-BAA6-B90EE82346C5}" type="datetime1">
               <a:rPr lang="en-US" smtClean="0"/>
-              <a:t>12/21/19</a:t>
+              <a:t>12/25/19</a:t>
             </a:fld>
             <a:endParaRPr lang="en-US"/>
           </a:p>
@@ -9943,7 +9908,7 @@
           <a:p>
             <a:fld id="{6F97FA7C-C5E8-46CB-8018-A690600A64FC}" type="datetime1">
               <a:rPr lang="en-US" smtClean="0"/>
-              <a:t>12/21/19</a:t>
+              <a:t>12/25/19</a:t>
             </a:fld>
             <a:endParaRPr lang="en-US"/>
           </a:p>
@@ -10364,45 +10329,105 @@
         </p:nvSpPr>
         <p:spPr/>
         <p:txBody>
-          <a:bodyPr/>
+          <a:bodyPr>
+            <a:normAutofit/>
+          </a:bodyPr>
           <a:lstStyle/>
           <a:p>
             <a:r>
-              <a:rPr lang="en-US" dirty="0"/>
-              <a:t>Basic Turning</a:t>
-            </a:r>
-          </a:p>
-        </p:txBody>
-      </p:sp>
-      <p:sp>
-        <p:nvSpPr>
-          <p:cNvPr id="3" name="Title 2"/>
-          <p:cNvSpPr>
-            <a:spLocks noGrp="1"/>
-          </p:cNvSpPr>
-          <p:nvPr>
-            <p:ph type="ctrTitle"/>
-          </p:nvPr>
-        </p:nvSpPr>
-        <p:spPr/>
-        <p:txBody>
-          <a:bodyPr/>
-          <a:lstStyle/>
-          <a:p>
-            <a:pPr algn="ctr"/>
-            <a:r>
-              <a:rPr lang="en-US" dirty="0"/>
+              <a:rPr lang="en-US" sz="2400" dirty="0"/>
+              <a:t>EV3 Classroom: Basic Turning</a:t>
+            </a:r>
+          </a:p>
+        </p:txBody>
+      </p:sp>
+      <p:sp>
+        <p:nvSpPr>
+          <p:cNvPr id="7" name="Title 1">
+            <a:extLst>
+              <a:ext uri="{FF2B5EF4-FFF2-40B4-BE49-F238E27FC236}">
+                <a16:creationId xmlns:a16="http://schemas.microsoft.com/office/drawing/2014/main" id="{7E8FA677-95AB-DE44-851C-9E28A687109E}"/>
+              </a:ext>
+            </a:extLst>
+          </p:cNvPr>
+          <p:cNvSpPr txBox="1">
+            <a:spLocks/>
+          </p:cNvSpPr>
+          <p:nvPr/>
+        </p:nvSpPr>
+        <p:spPr>
+          <a:xfrm>
+            <a:off x="4868091" y="272833"/>
+            <a:ext cx="3897684" cy="1598052"/>
+          </a:xfrm>
+          <a:prstGeom prst="rect">
+            <a:avLst/>
+          </a:prstGeom>
+        </p:spPr>
+        <p:txBody>
+          <a:bodyPr vert="horz" lIns="91440" tIns="45720" rIns="91440" bIns="45720" rtlCol="0" anchor="t" anchorCtr="0">
+            <a:noAutofit/>
+          </a:bodyPr>
+          <a:lstStyle>
+            <a:lvl1pPr algn="l" defTabSz="914400" rtl="0" eaLnBrk="1" latinLnBrk="0" hangingPunct="1">
+              <a:spcBef>
+                <a:spcPct val="0"/>
+              </a:spcBef>
+              <a:buNone/>
+              <a:defRPr sz="2800" kern="1200" cap="all" spc="-60" baseline="0">
+                <a:solidFill>
+                  <a:schemeClr val="tx2"/>
+                </a:solidFill>
+                <a:latin typeface="+mj-lt"/>
+                <a:ea typeface="+mj-ea"/>
+                <a:cs typeface="+mj-cs"/>
+              </a:defRPr>
+            </a:lvl1pPr>
+          </a:lstStyle>
+          <a:p>
+            <a:r>
+              <a:rPr lang="en-US" sz="3200"/>
               <a:t>BEGINNER PROGRAMMING LESSON</a:t>
             </a:r>
+            <a:endParaRPr lang="en-US" sz="3200" dirty="0"/>
           </a:p>
         </p:txBody>
       </p:sp>
       <p:pic>
         <p:nvPicPr>
-          <p:cNvPr id="4" name="Picture 3" descr="A close up of a sign&#10;&#10;Description automatically generated">
+          <p:cNvPr id="8" name="Picture 7" descr="A picture containing drawing&#10;&#10;Description automatically generated">
             <a:extLst>
               <a:ext uri="{FF2B5EF4-FFF2-40B4-BE49-F238E27FC236}">
-                <a16:creationId xmlns:a16="http://schemas.microsoft.com/office/drawing/2014/main" id="{66C88A27-D45D-064A-98A9-448C599EAB40}"/>
+                <a16:creationId xmlns:a16="http://schemas.microsoft.com/office/drawing/2014/main" id="{1FF46E84-220E-344D-9FB4-F591B066F372}"/>
+              </a:ext>
+            </a:extLst>
+          </p:cNvPr>
+          <p:cNvPicPr>
+            <a:picLocks noChangeAspect="1"/>
+          </p:cNvPicPr>
+          <p:nvPr/>
+        </p:nvPicPr>
+        <p:blipFill rotWithShape="1">
+          <a:blip r:embed="rId3"/>
+          <a:srcRect l="1617" t="7031" r="4033" b="8124"/>
+          <a:stretch/>
+        </p:blipFill>
+        <p:spPr>
+          <a:xfrm>
+            <a:off x="129863" y="209018"/>
+            <a:ext cx="4442137" cy="1673443"/>
+          </a:xfrm>
+          <a:prstGeom prst="rect">
+            <a:avLst/>
+          </a:prstGeom>
+        </p:spPr>
+      </p:pic>
+      <p:pic>
+        <p:nvPicPr>
+          <p:cNvPr id="9" name="Picture 8" descr="A close up of a sign&#10;&#10;Description automatically generated">
+            <a:extLst>
+              <a:ext uri="{FF2B5EF4-FFF2-40B4-BE49-F238E27FC236}">
+                <a16:creationId xmlns:a16="http://schemas.microsoft.com/office/drawing/2014/main" id="{2D99C210-11B1-6B4E-BFEA-B6F122100E83}"/>
               </a:ext>
             </a:extLst>
           </p:cNvPr>
@@ -10412,15 +10437,21 @@
           <p:nvPr/>
         </p:nvPicPr>
         <p:blipFill>
-          <a:blip r:embed="rId3"/>
+          <a:blip r:embed="rId4">
+            <a:extLst>
+              <a:ext uri="{28A0092B-C50C-407E-A947-70E740481C1C}">
+                <a14:useLocalDpi xmlns:a14="http://schemas.microsoft.com/office/drawing/2010/main" val="0"/>
+              </a:ext>
+            </a:extLst>
+          </a:blip>
           <a:stretch>
             <a:fillRect/>
           </a:stretch>
         </p:blipFill>
         <p:spPr>
-          <a:xfrm rot="905751">
-            <a:off x="7428181" y="371720"/>
-            <a:ext cx="1124670" cy="1101589"/>
+          <a:xfrm>
+            <a:off x="3730120" y="4883748"/>
+            <a:ext cx="1444298" cy="1444298"/>
           </a:xfrm>
           <a:prstGeom prst="rect">
             <a:avLst/>
